--- a/기획서 자료/프레젠테이션1.pptx
+++ b/기획서 자료/프레젠테이션1.pptx
@@ -259,7 +259,7 @@
           <a:p>
             <a:fld id="{341866D5-F9A3-41FF-B35B-996BB2E0AFF1}" type="datetimeFigureOut">
               <a:rPr lang="ko-KR" altLang="en-US" smtClean="0"/>
-              <a:t>2021-11-01</a:t>
+              <a:t>2021-12-07</a:t>
             </a:fld>
             <a:endParaRPr lang="ko-KR" altLang="en-US"/>
           </a:p>
@@ -457,7 +457,7 @@
           <a:p>
             <a:fld id="{341866D5-F9A3-41FF-B35B-996BB2E0AFF1}" type="datetimeFigureOut">
               <a:rPr lang="ko-KR" altLang="en-US" smtClean="0"/>
-              <a:t>2021-11-01</a:t>
+              <a:t>2021-12-07</a:t>
             </a:fld>
             <a:endParaRPr lang="ko-KR" altLang="en-US"/>
           </a:p>
@@ -665,7 +665,7 @@
           <a:p>
             <a:fld id="{341866D5-F9A3-41FF-B35B-996BB2E0AFF1}" type="datetimeFigureOut">
               <a:rPr lang="ko-KR" altLang="en-US" smtClean="0"/>
-              <a:t>2021-11-01</a:t>
+              <a:t>2021-12-07</a:t>
             </a:fld>
             <a:endParaRPr lang="ko-KR" altLang="en-US"/>
           </a:p>
@@ -863,7 +863,7 @@
           <a:p>
             <a:fld id="{341866D5-F9A3-41FF-B35B-996BB2E0AFF1}" type="datetimeFigureOut">
               <a:rPr lang="ko-KR" altLang="en-US" smtClean="0"/>
-              <a:t>2021-11-01</a:t>
+              <a:t>2021-12-07</a:t>
             </a:fld>
             <a:endParaRPr lang="ko-KR" altLang="en-US"/>
           </a:p>
@@ -1138,7 +1138,7 @@
           <a:p>
             <a:fld id="{341866D5-F9A3-41FF-B35B-996BB2E0AFF1}" type="datetimeFigureOut">
               <a:rPr lang="ko-KR" altLang="en-US" smtClean="0"/>
-              <a:t>2021-11-01</a:t>
+              <a:t>2021-12-07</a:t>
             </a:fld>
             <a:endParaRPr lang="ko-KR" altLang="en-US"/>
           </a:p>
@@ -1403,7 +1403,7 @@
           <a:p>
             <a:fld id="{341866D5-F9A3-41FF-B35B-996BB2E0AFF1}" type="datetimeFigureOut">
               <a:rPr lang="ko-KR" altLang="en-US" smtClean="0"/>
-              <a:t>2021-11-01</a:t>
+              <a:t>2021-12-07</a:t>
             </a:fld>
             <a:endParaRPr lang="ko-KR" altLang="en-US"/>
           </a:p>
@@ -1815,7 +1815,7 @@
           <a:p>
             <a:fld id="{341866D5-F9A3-41FF-B35B-996BB2E0AFF1}" type="datetimeFigureOut">
               <a:rPr lang="ko-KR" altLang="en-US" smtClean="0"/>
-              <a:t>2021-11-01</a:t>
+              <a:t>2021-12-07</a:t>
             </a:fld>
             <a:endParaRPr lang="ko-KR" altLang="en-US"/>
           </a:p>
@@ -1956,7 +1956,7 @@
           <a:p>
             <a:fld id="{341866D5-F9A3-41FF-B35B-996BB2E0AFF1}" type="datetimeFigureOut">
               <a:rPr lang="ko-KR" altLang="en-US" smtClean="0"/>
-              <a:t>2021-11-01</a:t>
+              <a:t>2021-12-07</a:t>
             </a:fld>
             <a:endParaRPr lang="ko-KR" altLang="en-US"/>
           </a:p>
@@ -2069,7 +2069,7 @@
           <a:p>
             <a:fld id="{341866D5-F9A3-41FF-B35B-996BB2E0AFF1}" type="datetimeFigureOut">
               <a:rPr lang="ko-KR" altLang="en-US" smtClean="0"/>
-              <a:t>2021-11-01</a:t>
+              <a:t>2021-12-07</a:t>
             </a:fld>
             <a:endParaRPr lang="ko-KR" altLang="en-US"/>
           </a:p>
@@ -2380,7 +2380,7 @@
           <a:p>
             <a:fld id="{341866D5-F9A3-41FF-B35B-996BB2E0AFF1}" type="datetimeFigureOut">
               <a:rPr lang="ko-KR" altLang="en-US" smtClean="0"/>
-              <a:t>2021-11-01</a:t>
+              <a:t>2021-12-07</a:t>
             </a:fld>
             <a:endParaRPr lang="ko-KR" altLang="en-US"/>
           </a:p>
@@ -2668,7 +2668,7 @@
           <a:p>
             <a:fld id="{341866D5-F9A3-41FF-B35B-996BB2E0AFF1}" type="datetimeFigureOut">
               <a:rPr lang="ko-KR" altLang="en-US" smtClean="0"/>
-              <a:t>2021-11-01</a:t>
+              <a:t>2021-12-07</a:t>
             </a:fld>
             <a:endParaRPr lang="ko-KR" altLang="en-US"/>
           </a:p>
@@ -2909,7 +2909,7 @@
           <a:p>
             <a:fld id="{341866D5-F9A3-41FF-B35B-996BB2E0AFF1}" type="datetimeFigureOut">
               <a:rPr lang="ko-KR" altLang="en-US" smtClean="0"/>
-              <a:t>2021-11-01</a:t>
+              <a:t>2021-12-07</a:t>
             </a:fld>
             <a:endParaRPr lang="ko-KR" altLang="en-US"/>
           </a:p>
@@ -4691,8 +4691,8 @@
         </p:nvSpPr>
         <p:spPr>
           <a:xfrm>
-            <a:off x="6980892" y="2231626"/>
-            <a:ext cx="1440000" cy="345781"/>
+            <a:off x="6980892" y="2099470"/>
+            <a:ext cx="1440000" cy="477938"/>
           </a:xfrm>
           <a:prstGeom prst="roundRect">
             <a:avLst/>
@@ -4721,8 +4721,20 @@
             <a:pPr algn="ctr"/>
             <a:r>
               <a:rPr lang="en-US" altLang="ko-KR" sz="1000" b="1" dirty="0"/>
-              <a:t>Update</a:t>
-            </a:r>
+              <a:t>Update object</a:t>
+            </a:r>
+          </a:p>
+          <a:p>
+            <a:pPr algn="ctr"/>
+            <a:r>
+              <a:rPr lang="en-US" altLang="ko-KR" sz="1000" b="1" dirty="0"/>
+              <a:t>Update </a:t>
+            </a:r>
+            <a:r>
+              <a:rPr lang="en-US" altLang="ko-KR" sz="1000" b="1" dirty="0" err="1"/>
+              <a:t>buf</a:t>
+            </a:r>
+            <a:endParaRPr lang="en-US" altLang="ko-KR" sz="1000" b="1" dirty="0"/>
           </a:p>
           <a:p>
             <a:pPr algn="ctr"/>
@@ -4823,8 +4835,8 @@
         </p:nvCxnSpPr>
         <p:spPr>
           <a:xfrm flipH="1">
-            <a:off x="7699627" y="2577407"/>
-            <a:ext cx="1265" cy="122757"/>
+            <a:off x="7699627" y="2577408"/>
+            <a:ext cx="1265" cy="122756"/>
           </a:xfrm>
           <a:prstGeom prst="straightConnector1">
             <a:avLst/>
@@ -4866,8 +4878,8 @@
         </p:nvCxnSpPr>
         <p:spPr>
           <a:xfrm rot="10800000" flipH="1">
-            <a:off x="6950074" y="2404518"/>
-            <a:ext cx="30818" cy="1079417"/>
+            <a:off x="6950074" y="2338440"/>
+            <a:ext cx="30818" cy="1145495"/>
           </a:xfrm>
           <a:prstGeom prst="bentConnector3">
             <a:avLst>
@@ -5167,7 +5179,7 @@
         </p:nvSpPr>
         <p:spPr>
           <a:xfrm>
-            <a:off x="6763446" y="1928333"/>
+            <a:off x="6763446" y="1893497"/>
             <a:ext cx="1741292" cy="246221"/>
           </a:xfrm>
           <a:prstGeom prst="rect">
@@ -5186,7 +5198,7 @@
               <a:rPr lang="en-US" altLang="ko-KR" sz="1000" b="1" dirty="0">
                 <a:ea typeface="돋움체" panose="020B0609000101010101" pitchFamily="49" charset="-127"/>
               </a:rPr>
-              <a:t>while (60fps)</a:t>
+              <a:t>while (30fps)</a:t>
             </a:r>
             <a:endParaRPr lang="ko-KR" altLang="en-US" sz="1000" b="1" dirty="0"/>
           </a:p>
@@ -5387,7 +5399,7 @@
         <p:spPr>
           <a:xfrm>
             <a:off x="9274557" y="1225438"/>
-            <a:ext cx="2119116" cy="523220"/>
+            <a:ext cx="2119116" cy="553998"/>
           </a:xfrm>
           <a:prstGeom prst="rect">
             <a:avLst/>
@@ -5409,10 +5421,9 @@
           <a:p>
             <a:pPr algn="ctr"/>
             <a:r>
-              <a:rPr lang="en-US" altLang="ko-KR" sz="1000" b="1" dirty="0"/>
-              <a:t>No date race </a:t>
-            </a:r>
-            <a:endParaRPr lang="ko-KR" altLang="en-US" sz="1000" b="1" dirty="0"/>
+              <a:rPr lang="en-US" altLang="ko-KR" sz="1100" b="1" dirty="0"/>
+              <a:t>Player event buffer</a:t>
+            </a:r>
           </a:p>
         </p:txBody>
       </p:sp>
@@ -5434,8 +5445,8 @@
         </p:nvCxnSpPr>
         <p:spPr>
           <a:xfrm flipH="1">
-            <a:off x="10989652" y="1487048"/>
-            <a:ext cx="404021" cy="3009701"/>
+            <a:off x="10989652" y="1502437"/>
+            <a:ext cx="404021" cy="2994312"/>
           </a:xfrm>
           <a:prstGeom prst="bentConnector3">
             <a:avLst>
@@ -5479,8 +5490,8 @@
         </p:nvCxnSpPr>
         <p:spPr>
           <a:xfrm rot="10800000" flipV="1">
-            <a:off x="8420893" y="1487047"/>
-            <a:ext cx="853665" cy="917469"/>
+            <a:off x="8420893" y="1502437"/>
+            <a:ext cx="853665" cy="836002"/>
           </a:xfrm>
           <a:prstGeom prst="bentConnector3">
             <a:avLst>
@@ -5611,7 +5622,15 @@
             <a:pPr algn="ctr"/>
             <a:r>
               <a:rPr lang="en-US" altLang="ko-KR" sz="1600" dirty="0"/>
-              <a:t>Accept Thread</a:t>
+              <a:t>Lobby</a:t>
+            </a:r>
+            <a:r>
+              <a:rPr lang="ko-KR" altLang="en-US" sz="1600" dirty="0"/>
+              <a:t> </a:t>
+            </a:r>
+            <a:r>
+              <a:rPr lang="en-US" altLang="ko-KR" sz="1600" dirty="0"/>
+              <a:t>Thread</a:t>
             </a:r>
             <a:endParaRPr lang="ko-KR" altLang="en-US" sz="1600" dirty="0"/>
           </a:p>
@@ -5686,7 +5705,7 @@
         <p:spPr>
           <a:xfrm>
             <a:off x="7634092" y="1731901"/>
-            <a:ext cx="0" cy="196432"/>
+            <a:ext cx="0" cy="161596"/>
           </a:xfrm>
           <a:prstGeom prst="straightConnector1">
             <a:avLst/>
@@ -6038,7 +6057,14 @@
             <a:pPr algn="ctr"/>
             <a:r>
               <a:rPr lang="en-US" altLang="ko-KR" sz="1000" b="1" dirty="0"/>
-              <a:t>Send login ok packet</a:t>
+              <a:t>Update buffer</a:t>
+            </a:r>
+          </a:p>
+          <a:p>
+            <a:pPr algn="ctr"/>
+            <a:r>
+              <a:rPr lang="en-US" altLang="ko-KR" sz="1000" b="1" dirty="0"/>
+              <a:t>(Login ok packet)</a:t>
             </a:r>
           </a:p>
         </p:txBody>
@@ -6288,15 +6314,7 @@
             <a:pPr algn="ctr"/>
             <a:r>
               <a:rPr lang="en-US" altLang="ko-KR" sz="1000" b="1" dirty="0"/>
-              <a:t>Send</a:t>
-            </a:r>
-            <a:r>
-              <a:rPr lang="ko-KR" altLang="en-US" sz="1000" b="1" dirty="0"/>
-              <a:t> </a:t>
-            </a:r>
-            <a:r>
-              <a:rPr lang="en-US" altLang="ko-KR" sz="1000" b="1" dirty="0"/>
-              <a:t>Packet()</a:t>
+              <a:t>Update buffer</a:t>
             </a:r>
           </a:p>
           <a:p>
@@ -6631,6 +6649,276 @@
           </a:fontRef>
         </p:style>
       </p:cxnSp>
+      <p:sp>
+        <p:nvSpPr>
+          <p:cNvPr id="4" name="TextBox 3">
+            <a:extLst>
+              <a:ext uri="{FF2B5EF4-FFF2-40B4-BE49-F238E27FC236}">
+                <a16:creationId xmlns:a16="http://schemas.microsoft.com/office/drawing/2014/main" id="{9B558BE6-098B-4B23-86C9-E58F7E134E54}"/>
+              </a:ext>
+            </a:extLst>
+          </p:cNvPr>
+          <p:cNvSpPr txBox="1"/>
+          <p:nvPr/>
+        </p:nvSpPr>
+        <p:spPr>
+          <a:xfrm>
+            <a:off x="51683" y="100978"/>
+            <a:ext cx="1123973" cy="369332"/>
+          </a:xfrm>
+          <a:prstGeom prst="rect">
+            <a:avLst/>
+          </a:prstGeom>
+          <a:noFill/>
+        </p:spPr>
+        <p:txBody>
+          <a:bodyPr wrap="square" rtlCol="0">
+            <a:spAutoFit/>
+          </a:bodyPr>
+          <a:lstStyle/>
+          <a:p>
+            <a:r>
+              <a:rPr lang="ko-KR" altLang="en-US" dirty="0"/>
+              <a:t>임계영역</a:t>
+            </a:r>
+          </a:p>
+        </p:txBody>
+      </p:sp>
+      <p:sp>
+        <p:nvSpPr>
+          <p:cNvPr id="75" name="직사각형 74">
+            <a:extLst>
+              <a:ext uri="{FF2B5EF4-FFF2-40B4-BE49-F238E27FC236}">
+                <a16:creationId xmlns:a16="http://schemas.microsoft.com/office/drawing/2014/main" id="{F5E909E6-F679-445C-9B01-AE48AC7E625D}"/>
+              </a:ext>
+            </a:extLst>
+          </p:cNvPr>
+          <p:cNvSpPr/>
+          <p:nvPr/>
+        </p:nvSpPr>
+        <p:spPr>
+          <a:xfrm>
+            <a:off x="1646219" y="78690"/>
+            <a:ext cx="966951" cy="420601"/>
+          </a:xfrm>
+          <a:prstGeom prst="rect">
+            <a:avLst/>
+          </a:prstGeom>
+          <a:noFill/>
+          <a:ln w="28575"/>
+        </p:spPr>
+        <p:style>
+          <a:lnRef idx="2">
+            <a:schemeClr val="accent1">
+              <a:shade val="50000"/>
+            </a:schemeClr>
+          </a:lnRef>
+          <a:fillRef idx="1">
+            <a:schemeClr val="accent1"/>
+          </a:fillRef>
+          <a:effectRef idx="0">
+            <a:schemeClr val="accent1"/>
+          </a:effectRef>
+          <a:fontRef idx="minor">
+            <a:schemeClr val="lt1"/>
+          </a:fontRef>
+        </p:style>
+        <p:txBody>
+          <a:bodyPr rtlCol="0" anchor="ctr"/>
+          <a:lstStyle/>
+          <a:p>
+            <a:pPr algn="ctr"/>
+            <a:endParaRPr lang="ko-KR" altLang="en-US"/>
+          </a:p>
+        </p:txBody>
+      </p:sp>
+      <p:cxnSp>
+        <p:nvCxnSpPr>
+          <p:cNvPr id="10" name="직선 화살표 연결선 9">
+            <a:extLst>
+              <a:ext uri="{FF2B5EF4-FFF2-40B4-BE49-F238E27FC236}">
+                <a16:creationId xmlns:a16="http://schemas.microsoft.com/office/drawing/2014/main" id="{2D3B70C0-B620-4D27-A69A-5354CFFC8570}"/>
+              </a:ext>
+            </a:extLst>
+          </p:cNvPr>
+          <p:cNvCxnSpPr>
+            <a:cxnSpLocks/>
+            <a:stCxn id="4" idx="3"/>
+            <a:endCxn id="75" idx="1"/>
+          </p:cNvCxnSpPr>
+          <p:nvPr/>
+        </p:nvCxnSpPr>
+        <p:spPr>
+          <a:xfrm>
+            <a:off x="1175656" y="285644"/>
+            <a:ext cx="470563" cy="3347"/>
+          </a:xfrm>
+          <a:prstGeom prst="straightConnector1">
+            <a:avLst/>
+          </a:prstGeom>
+          <a:ln>
+            <a:tailEnd type="triangle"/>
+          </a:ln>
+        </p:spPr>
+        <p:style>
+          <a:lnRef idx="1">
+            <a:schemeClr val="accent1"/>
+          </a:lnRef>
+          <a:fillRef idx="0">
+            <a:schemeClr val="accent1"/>
+          </a:fillRef>
+          <a:effectRef idx="0">
+            <a:schemeClr val="accent1"/>
+          </a:effectRef>
+          <a:fontRef idx="minor">
+            <a:schemeClr val="tx1"/>
+          </a:fontRef>
+        </p:style>
+      </p:cxnSp>
+      <p:sp>
+        <p:nvSpPr>
+          <p:cNvPr id="86" name="직사각형 85">
+            <a:extLst>
+              <a:ext uri="{FF2B5EF4-FFF2-40B4-BE49-F238E27FC236}">
+                <a16:creationId xmlns:a16="http://schemas.microsoft.com/office/drawing/2014/main" id="{EEF639AD-C838-46DA-B355-E1BDA144AF23}"/>
+              </a:ext>
+            </a:extLst>
+          </p:cNvPr>
+          <p:cNvSpPr/>
+          <p:nvPr/>
+        </p:nvSpPr>
+        <p:spPr>
+          <a:xfrm>
+            <a:off x="9462607" y="4819451"/>
+            <a:ext cx="1614104" cy="667459"/>
+          </a:xfrm>
+          <a:prstGeom prst="rect">
+            <a:avLst/>
+          </a:prstGeom>
+          <a:noFill/>
+          <a:ln w="28575"/>
+        </p:spPr>
+        <p:style>
+          <a:lnRef idx="2">
+            <a:schemeClr val="accent1">
+              <a:shade val="50000"/>
+            </a:schemeClr>
+          </a:lnRef>
+          <a:fillRef idx="1">
+            <a:schemeClr val="accent1"/>
+          </a:fillRef>
+          <a:effectRef idx="0">
+            <a:schemeClr val="accent1"/>
+          </a:effectRef>
+          <a:fontRef idx="minor">
+            <a:schemeClr val="lt1"/>
+          </a:fontRef>
+        </p:style>
+        <p:txBody>
+          <a:bodyPr rtlCol="0" anchor="ctr"/>
+          <a:lstStyle/>
+          <a:p>
+            <a:pPr algn="ctr"/>
+            <a:endParaRPr lang="ko-KR" altLang="en-US"/>
+          </a:p>
+        </p:txBody>
+      </p:sp>
+      <p:sp>
+        <p:nvSpPr>
+          <p:cNvPr id="87" name="직사각형 86">
+            <a:extLst>
+              <a:ext uri="{FF2B5EF4-FFF2-40B4-BE49-F238E27FC236}">
+                <a16:creationId xmlns:a16="http://schemas.microsoft.com/office/drawing/2014/main" id="{2D59A6FA-F9C9-4627-9130-F52E27F192C3}"/>
+              </a:ext>
+            </a:extLst>
+          </p:cNvPr>
+          <p:cNvSpPr/>
+          <p:nvPr/>
+        </p:nvSpPr>
+        <p:spPr>
+          <a:xfrm>
+            <a:off x="6812907" y="5503294"/>
+            <a:ext cx="1785119" cy="667459"/>
+          </a:xfrm>
+          <a:prstGeom prst="rect">
+            <a:avLst/>
+          </a:prstGeom>
+          <a:noFill/>
+          <a:ln w="28575"/>
+        </p:spPr>
+        <p:style>
+          <a:lnRef idx="2">
+            <a:schemeClr val="accent1">
+              <a:shade val="50000"/>
+            </a:schemeClr>
+          </a:lnRef>
+          <a:fillRef idx="1">
+            <a:schemeClr val="accent1"/>
+          </a:fillRef>
+          <a:effectRef idx="0">
+            <a:schemeClr val="accent1"/>
+          </a:effectRef>
+          <a:fontRef idx="minor">
+            <a:schemeClr val="lt1"/>
+          </a:fontRef>
+        </p:style>
+        <p:txBody>
+          <a:bodyPr rtlCol="0" anchor="ctr"/>
+          <a:lstStyle/>
+          <a:p>
+            <a:pPr algn="ctr"/>
+            <a:endParaRPr lang="ko-KR" altLang="en-US"/>
+          </a:p>
+        </p:txBody>
+      </p:sp>
+      <p:sp>
+        <p:nvSpPr>
+          <p:cNvPr id="91" name="직사각형 90">
+            <a:extLst>
+              <a:ext uri="{FF2B5EF4-FFF2-40B4-BE49-F238E27FC236}">
+                <a16:creationId xmlns:a16="http://schemas.microsoft.com/office/drawing/2014/main" id="{E6157BF1-B051-4903-92B9-4DFB6A2CEE3F}"/>
+              </a:ext>
+            </a:extLst>
+          </p:cNvPr>
+          <p:cNvSpPr/>
+          <p:nvPr/>
+        </p:nvSpPr>
+        <p:spPr>
+          <a:xfrm>
+            <a:off x="7197018" y="2262474"/>
+            <a:ext cx="1022981" cy="180538"/>
+          </a:xfrm>
+          <a:prstGeom prst="rect">
+            <a:avLst/>
+          </a:prstGeom>
+          <a:noFill/>
+          <a:ln w="28575"/>
+        </p:spPr>
+        <p:style>
+          <a:lnRef idx="2">
+            <a:schemeClr val="accent1">
+              <a:shade val="50000"/>
+            </a:schemeClr>
+          </a:lnRef>
+          <a:fillRef idx="1">
+            <a:schemeClr val="accent1"/>
+          </a:fillRef>
+          <a:effectRef idx="0">
+            <a:schemeClr val="accent1"/>
+          </a:effectRef>
+          <a:fontRef idx="minor">
+            <a:schemeClr val="lt1"/>
+          </a:fontRef>
+        </p:style>
+        <p:txBody>
+          <a:bodyPr rtlCol="0" anchor="ctr"/>
+          <a:lstStyle/>
+          <a:p>
+            <a:pPr algn="ctr"/>
+            <a:endParaRPr lang="ko-KR" altLang="en-US"/>
+          </a:p>
+        </p:txBody>
+      </p:sp>
     </p:spTree>
     <p:extLst>
       <p:ext uri="{BB962C8B-B14F-4D97-AF65-F5344CB8AC3E}">
